--- a/People and Automation The Keys to a Security Program.pptx
+++ b/People and Automation The Keys to a Security Program.pptx
@@ -19697,7 +19697,7 @@
         </p:nvSpPr>
         <p:spPr>
           <a:xfrm>
-            <a:off x="7732639" y="5089607"/>
+            <a:off x="7732639" y="5054876"/>
             <a:ext cx="3733227" cy="646331"/>
           </a:xfrm>
           <a:prstGeom prst="rect">
@@ -19783,8 +19783,8 @@
         </p:nvSpPr>
         <p:spPr>
           <a:xfrm>
-            <a:off x="725849" y="5054877"/>
-            <a:ext cx="3176259" cy="646331"/>
+            <a:off x="2049057" y="5054877"/>
+            <a:ext cx="1853051" cy="646331"/>
           </a:xfrm>
           <a:prstGeom prst="rect">
             <a:avLst/>
@@ -19797,7 +19797,7 @@
           </a:bodyPr>
           <a:lstStyle/>
           <a:p>
-            <a:pPr marL="285750" indent="-285750" algn="r">
+            <a:pPr marL="285750" indent="-285750">
               <a:buFont typeface="Arial" panose="020B0604020202020204" pitchFamily="34" charset="0"/>
               <a:buChar char="•"/>
             </a:pPr>
@@ -19807,7 +19807,7 @@
             </a:r>
           </a:p>
           <a:p>
-            <a:pPr marL="285750" indent="-285750" algn="r">
+            <a:pPr marL="285750" indent="-285750">
               <a:buFont typeface="Arial" panose="020B0604020202020204" pitchFamily="34" charset="0"/>
               <a:buChar char="•"/>
             </a:pPr>

--- a/People and Automation The Keys to a Security Program.pptx
+++ b/People and Automation The Keys to a Security Program.pptx
@@ -1638,10 +1638,35 @@
               <a:rPr lang="en-US" baseline="0" dirty="0"/>
               <a:t> automating everything</a:t>
             </a:r>
+            <a:endParaRPr lang="en-AU" baseline="0" dirty="0"/>
+          </a:p>
+          <a:p>
+            <a:pPr marL="171450" marR="0" lvl="0" indent="-171450" algn="l" defTabSz="914400" rtl="0" eaLnBrk="1" fontAlgn="auto" latinLnBrk="0" hangingPunct="1">
+              <a:lnSpc>
+                <a:spcPct val="100000"/>
+              </a:lnSpc>
+              <a:spcBef>
+                <a:spcPts val="0"/>
+              </a:spcBef>
+              <a:spcAft>
+                <a:spcPts val="0"/>
+              </a:spcAft>
+              <a:buClrTx/>
+              <a:buSzTx/>
+              <a:buFont typeface="Arial" panose="020B0604020202020204" pitchFamily="34" charset="0"/>
+              <a:buChar char="•"/>
+              <a:tabLst/>
+              <a:defRPr/>
+            </a:pPr>
+            <a:r>
+              <a:rPr lang="en-AU" baseline="0" dirty="0"/>
+              <a:t>Too starving </a:t>
+            </a:r>
+            <a:r>
+              <a:rPr lang="en-AU" baseline="0"/>
+              <a:t>to eat</a:t>
+            </a:r>
             <a:endParaRPr lang="en-US" dirty="0"/>
-          </a:p>
-          <a:p>
-            <a:endParaRPr lang="en-AU" dirty="0"/>
           </a:p>
         </p:txBody>
       </p:sp>
@@ -19428,7 +19453,9 @@
             </a:pathLst>
           </a:custGeom>
           <a:solidFill>
-            <a:schemeClr val="accent6"/>
+            <a:schemeClr val="accent6">
+              <a:lumMod val="75000"/>
+            </a:schemeClr>
           </a:solidFill>
           <a:ln>
             <a:noFill/>
